--- a/ppt 16-9/0519.神怜恤敬畏他的.pptx
+++ b/ppt 16-9/0519.神怜恤敬畏他的.pptx
@@ -129,7 +129,7 @@
           <p:cNvPr id="2" name="标题 1">
             <a:extLst>
               <a:ext uri="{FF2B5EF4-FFF2-40B4-BE49-F238E27FC236}">
-                <a16:creationId xmlns:a16="http://schemas.microsoft.com/office/drawing/2014/main" id="{DBD32BFF-94B3-F578-1C50-E8938312C864}"/>
+                <a16:creationId xmlns:a16="http://schemas.microsoft.com/office/drawing/2014/main" id="{AD85BC9D-8024-F0AD-0E23-F2AB176194AF}"/>
               </a:ext>
             </a:extLst>
           </p:cNvPr>
@@ -166,7 +166,7 @@
           <p:cNvPr id="3" name="副标题 2">
             <a:extLst>
               <a:ext uri="{FF2B5EF4-FFF2-40B4-BE49-F238E27FC236}">
-                <a16:creationId xmlns:a16="http://schemas.microsoft.com/office/drawing/2014/main" id="{C0C3BA19-FB76-A887-97B9-008F483C29B9}"/>
+                <a16:creationId xmlns:a16="http://schemas.microsoft.com/office/drawing/2014/main" id="{D0709613-B950-94EF-7B1F-0505D099CE73}"/>
               </a:ext>
             </a:extLst>
           </p:cNvPr>
@@ -236,7 +236,7 @@
           <p:cNvPr id="4" name="日期占位符 3">
             <a:extLst>
               <a:ext uri="{FF2B5EF4-FFF2-40B4-BE49-F238E27FC236}">
-                <a16:creationId xmlns:a16="http://schemas.microsoft.com/office/drawing/2014/main" id="{F0429C3C-C8BA-0EC3-80A5-E067F2E9D1B2}"/>
+                <a16:creationId xmlns:a16="http://schemas.microsoft.com/office/drawing/2014/main" id="{86B48290-35D2-401F-965D-793F7C1AE63E}"/>
               </a:ext>
             </a:extLst>
           </p:cNvPr>
@@ -252,7 +252,7 @@
           <a:bodyPr/>
           <a:lstStyle/>
           <a:p>
-            <a:fld id="{F2ACC073-9310-4282-805B-2464286E0633}" type="datetimeFigureOut">
+            <a:fld id="{EEA2F35E-26AE-4096-A9C5-40E7670A3D4F}" type="datetimeFigureOut">
               <a:rPr lang="zh-CN" altLang="en-US" smtClean="0"/>
               <a:t>2024/3/10</a:t>
             </a:fld>
@@ -265,7 +265,7 @@
           <p:cNvPr id="5" name="页脚占位符 4">
             <a:extLst>
               <a:ext uri="{FF2B5EF4-FFF2-40B4-BE49-F238E27FC236}">
-                <a16:creationId xmlns:a16="http://schemas.microsoft.com/office/drawing/2014/main" id="{31236F8C-12E9-0296-4D14-84DE60F78980}"/>
+                <a16:creationId xmlns:a16="http://schemas.microsoft.com/office/drawing/2014/main" id="{B30A2A34-66CF-BD2D-FAE4-D92907DD333E}"/>
               </a:ext>
             </a:extLst>
           </p:cNvPr>
@@ -290,7 +290,7 @@
           <p:cNvPr id="6" name="灯片编号占位符 5">
             <a:extLst>
               <a:ext uri="{FF2B5EF4-FFF2-40B4-BE49-F238E27FC236}">
-                <a16:creationId xmlns:a16="http://schemas.microsoft.com/office/drawing/2014/main" id="{65825A1C-5002-59EB-B67C-6C50671A6604}"/>
+                <a16:creationId xmlns:a16="http://schemas.microsoft.com/office/drawing/2014/main" id="{C0CAB6E5-AAA5-A6BC-A6D0-9A2611E0ED4A}"/>
               </a:ext>
             </a:extLst>
           </p:cNvPr>
@@ -306,7 +306,7 @@
           <a:bodyPr/>
           <a:lstStyle/>
           <a:p>
-            <a:fld id="{B514E45A-CF6D-4CBF-ACBB-0A80114C5C39}" type="slidenum">
+            <a:fld id="{EB830D4F-711B-474D-8651-A26D392BACC6}" type="slidenum">
               <a:rPr lang="zh-CN" altLang="en-US" smtClean="0"/>
               <a:t>‹#›</a:t>
             </a:fld>
@@ -317,7 +317,7 @@
     </p:spTree>
     <p:extLst>
       <p:ext uri="{BB962C8B-B14F-4D97-AF65-F5344CB8AC3E}">
-        <p14:creationId xmlns:p14="http://schemas.microsoft.com/office/powerpoint/2010/main" val="3654761668"/>
+        <p14:creationId xmlns:p14="http://schemas.microsoft.com/office/powerpoint/2010/main" val="4160138730"/>
       </p:ext>
     </p:extLst>
   </p:cSld>
@@ -349,7 +349,7 @@
           <p:cNvPr id="2" name="标题 1">
             <a:extLst>
               <a:ext uri="{FF2B5EF4-FFF2-40B4-BE49-F238E27FC236}">
-                <a16:creationId xmlns:a16="http://schemas.microsoft.com/office/drawing/2014/main" id="{486DE99D-69D8-1DF7-C8BB-5E5E9B70155A}"/>
+                <a16:creationId xmlns:a16="http://schemas.microsoft.com/office/drawing/2014/main" id="{73434235-5425-D8D3-64CA-ED6229FE78B4}"/>
               </a:ext>
             </a:extLst>
           </p:cNvPr>
@@ -377,7 +377,7 @@
           <p:cNvPr id="3" name="竖排文字占位符 2">
             <a:extLst>
               <a:ext uri="{FF2B5EF4-FFF2-40B4-BE49-F238E27FC236}">
-                <a16:creationId xmlns:a16="http://schemas.microsoft.com/office/drawing/2014/main" id="{D98F9D47-B600-549E-EE7F-60642C805977}"/>
+                <a16:creationId xmlns:a16="http://schemas.microsoft.com/office/drawing/2014/main" id="{28FA01D2-D212-51F5-B89C-6C004331CB1C}"/>
               </a:ext>
             </a:extLst>
           </p:cNvPr>
@@ -434,7 +434,7 @@
           <p:cNvPr id="4" name="日期占位符 3">
             <a:extLst>
               <a:ext uri="{FF2B5EF4-FFF2-40B4-BE49-F238E27FC236}">
-                <a16:creationId xmlns:a16="http://schemas.microsoft.com/office/drawing/2014/main" id="{27A90B40-6238-C8DB-C193-21A47BFF21F7}"/>
+                <a16:creationId xmlns:a16="http://schemas.microsoft.com/office/drawing/2014/main" id="{122D4AC0-7EE4-95AB-A198-AB38A6F177A1}"/>
               </a:ext>
             </a:extLst>
           </p:cNvPr>
@@ -450,7 +450,7 @@
           <a:bodyPr/>
           <a:lstStyle/>
           <a:p>
-            <a:fld id="{F2ACC073-9310-4282-805B-2464286E0633}" type="datetimeFigureOut">
+            <a:fld id="{EEA2F35E-26AE-4096-A9C5-40E7670A3D4F}" type="datetimeFigureOut">
               <a:rPr lang="zh-CN" altLang="en-US" smtClean="0"/>
               <a:t>2024/3/10</a:t>
             </a:fld>
@@ -463,7 +463,7 @@
           <p:cNvPr id="5" name="页脚占位符 4">
             <a:extLst>
               <a:ext uri="{FF2B5EF4-FFF2-40B4-BE49-F238E27FC236}">
-                <a16:creationId xmlns:a16="http://schemas.microsoft.com/office/drawing/2014/main" id="{ABAEA7D9-52C4-6775-BB36-753C78ABFC08}"/>
+                <a16:creationId xmlns:a16="http://schemas.microsoft.com/office/drawing/2014/main" id="{ADC25C9E-C88C-D1B5-36BA-94A8C3C16E5D}"/>
               </a:ext>
             </a:extLst>
           </p:cNvPr>
@@ -488,7 +488,7 @@
           <p:cNvPr id="6" name="灯片编号占位符 5">
             <a:extLst>
               <a:ext uri="{FF2B5EF4-FFF2-40B4-BE49-F238E27FC236}">
-                <a16:creationId xmlns:a16="http://schemas.microsoft.com/office/drawing/2014/main" id="{91C67917-B115-3524-CAA3-6933EAA0278B}"/>
+                <a16:creationId xmlns:a16="http://schemas.microsoft.com/office/drawing/2014/main" id="{E39F579B-1493-A39F-74F0-4C85ECE5A412}"/>
               </a:ext>
             </a:extLst>
           </p:cNvPr>
@@ -504,7 +504,7 @@
           <a:bodyPr/>
           <a:lstStyle/>
           <a:p>
-            <a:fld id="{B514E45A-CF6D-4CBF-ACBB-0A80114C5C39}" type="slidenum">
+            <a:fld id="{EB830D4F-711B-474D-8651-A26D392BACC6}" type="slidenum">
               <a:rPr lang="zh-CN" altLang="en-US" smtClean="0"/>
               <a:t>‹#›</a:t>
             </a:fld>
@@ -515,7 +515,7 @@
     </p:spTree>
     <p:extLst>
       <p:ext uri="{BB962C8B-B14F-4D97-AF65-F5344CB8AC3E}">
-        <p14:creationId xmlns:p14="http://schemas.microsoft.com/office/powerpoint/2010/main" val="4147829600"/>
+        <p14:creationId xmlns:p14="http://schemas.microsoft.com/office/powerpoint/2010/main" val="1462198549"/>
       </p:ext>
     </p:extLst>
   </p:cSld>
@@ -547,7 +547,7 @@
           <p:cNvPr id="2" name="竖排标题 1">
             <a:extLst>
               <a:ext uri="{FF2B5EF4-FFF2-40B4-BE49-F238E27FC236}">
-                <a16:creationId xmlns:a16="http://schemas.microsoft.com/office/drawing/2014/main" id="{5A20EE61-0AB8-8595-34FF-B32D4F600790}"/>
+                <a16:creationId xmlns:a16="http://schemas.microsoft.com/office/drawing/2014/main" id="{382C5E47-7657-5A51-8AEE-854284FCFFA5}"/>
               </a:ext>
             </a:extLst>
           </p:cNvPr>
@@ -580,7 +580,7 @@
           <p:cNvPr id="3" name="竖排文字占位符 2">
             <a:extLst>
               <a:ext uri="{FF2B5EF4-FFF2-40B4-BE49-F238E27FC236}">
-                <a16:creationId xmlns:a16="http://schemas.microsoft.com/office/drawing/2014/main" id="{2C346AF4-355A-E461-0D5C-AD550092FAEA}"/>
+                <a16:creationId xmlns:a16="http://schemas.microsoft.com/office/drawing/2014/main" id="{04D5F3CF-6A58-C285-4C18-41CE9D6FEDDD}"/>
               </a:ext>
             </a:extLst>
           </p:cNvPr>
@@ -642,7 +642,7 @@
           <p:cNvPr id="4" name="日期占位符 3">
             <a:extLst>
               <a:ext uri="{FF2B5EF4-FFF2-40B4-BE49-F238E27FC236}">
-                <a16:creationId xmlns:a16="http://schemas.microsoft.com/office/drawing/2014/main" id="{22C266E7-61C2-746F-3116-F04789CEA2A5}"/>
+                <a16:creationId xmlns:a16="http://schemas.microsoft.com/office/drawing/2014/main" id="{A0919382-BD5E-FFFF-4794-ABD40E873B39}"/>
               </a:ext>
             </a:extLst>
           </p:cNvPr>
@@ -658,7 +658,7 @@
           <a:bodyPr/>
           <a:lstStyle/>
           <a:p>
-            <a:fld id="{F2ACC073-9310-4282-805B-2464286E0633}" type="datetimeFigureOut">
+            <a:fld id="{EEA2F35E-26AE-4096-A9C5-40E7670A3D4F}" type="datetimeFigureOut">
               <a:rPr lang="zh-CN" altLang="en-US" smtClean="0"/>
               <a:t>2024/3/10</a:t>
             </a:fld>
@@ -671,7 +671,7 @@
           <p:cNvPr id="5" name="页脚占位符 4">
             <a:extLst>
               <a:ext uri="{FF2B5EF4-FFF2-40B4-BE49-F238E27FC236}">
-                <a16:creationId xmlns:a16="http://schemas.microsoft.com/office/drawing/2014/main" id="{739FFB61-B38C-8D57-8544-F827586CDB71}"/>
+                <a16:creationId xmlns:a16="http://schemas.microsoft.com/office/drawing/2014/main" id="{EF91ABAF-DC00-A502-671A-3567B775212D}"/>
               </a:ext>
             </a:extLst>
           </p:cNvPr>
@@ -696,7 +696,7 @@
           <p:cNvPr id="6" name="灯片编号占位符 5">
             <a:extLst>
               <a:ext uri="{FF2B5EF4-FFF2-40B4-BE49-F238E27FC236}">
-                <a16:creationId xmlns:a16="http://schemas.microsoft.com/office/drawing/2014/main" id="{EDDD6024-1FEC-FA2D-E777-10F101ADE080}"/>
+                <a16:creationId xmlns:a16="http://schemas.microsoft.com/office/drawing/2014/main" id="{9E5289DE-9C30-308D-EE6A-FA9E74DC051E}"/>
               </a:ext>
             </a:extLst>
           </p:cNvPr>
@@ -712,7 +712,7 @@
           <a:bodyPr/>
           <a:lstStyle/>
           <a:p>
-            <a:fld id="{B514E45A-CF6D-4CBF-ACBB-0A80114C5C39}" type="slidenum">
+            <a:fld id="{EB830D4F-711B-474D-8651-A26D392BACC6}" type="slidenum">
               <a:rPr lang="zh-CN" altLang="en-US" smtClean="0"/>
               <a:t>‹#›</a:t>
             </a:fld>
@@ -723,7 +723,7 @@
     </p:spTree>
     <p:extLst>
       <p:ext uri="{BB962C8B-B14F-4D97-AF65-F5344CB8AC3E}">
-        <p14:creationId xmlns:p14="http://schemas.microsoft.com/office/powerpoint/2010/main" val="623783996"/>
+        <p14:creationId xmlns:p14="http://schemas.microsoft.com/office/powerpoint/2010/main" val="1930431573"/>
       </p:ext>
     </p:extLst>
   </p:cSld>
@@ -755,7 +755,7 @@
           <p:cNvPr id="2" name="标题 1">
             <a:extLst>
               <a:ext uri="{FF2B5EF4-FFF2-40B4-BE49-F238E27FC236}">
-                <a16:creationId xmlns:a16="http://schemas.microsoft.com/office/drawing/2014/main" id="{7A8A37D6-FAA6-EAD0-D02C-C8CE57AD38EF}"/>
+                <a16:creationId xmlns:a16="http://schemas.microsoft.com/office/drawing/2014/main" id="{064A1307-A2C2-1D7F-DFF7-E81E8ED609B5}"/>
               </a:ext>
             </a:extLst>
           </p:cNvPr>
@@ -783,7 +783,7 @@
           <p:cNvPr id="3" name="内容占位符 2">
             <a:extLst>
               <a:ext uri="{FF2B5EF4-FFF2-40B4-BE49-F238E27FC236}">
-                <a16:creationId xmlns:a16="http://schemas.microsoft.com/office/drawing/2014/main" id="{1D050CC7-D58C-5687-C2F3-FE0B9D71AF72}"/>
+                <a16:creationId xmlns:a16="http://schemas.microsoft.com/office/drawing/2014/main" id="{9352921A-3CD2-8FFD-E669-CE966F45419D}"/>
               </a:ext>
             </a:extLst>
           </p:cNvPr>
@@ -840,7 +840,7 @@
           <p:cNvPr id="4" name="日期占位符 3">
             <a:extLst>
               <a:ext uri="{FF2B5EF4-FFF2-40B4-BE49-F238E27FC236}">
-                <a16:creationId xmlns:a16="http://schemas.microsoft.com/office/drawing/2014/main" id="{974ECC5A-DA1F-24C8-68B4-24BFE2C18B37}"/>
+                <a16:creationId xmlns:a16="http://schemas.microsoft.com/office/drawing/2014/main" id="{A3056E80-4427-C8D0-7F3F-C8DFC4773B71}"/>
               </a:ext>
             </a:extLst>
           </p:cNvPr>
@@ -856,7 +856,7 @@
           <a:bodyPr/>
           <a:lstStyle/>
           <a:p>
-            <a:fld id="{F2ACC073-9310-4282-805B-2464286E0633}" type="datetimeFigureOut">
+            <a:fld id="{EEA2F35E-26AE-4096-A9C5-40E7670A3D4F}" type="datetimeFigureOut">
               <a:rPr lang="zh-CN" altLang="en-US" smtClean="0"/>
               <a:t>2024/3/10</a:t>
             </a:fld>
@@ -869,7 +869,7 @@
           <p:cNvPr id="5" name="页脚占位符 4">
             <a:extLst>
               <a:ext uri="{FF2B5EF4-FFF2-40B4-BE49-F238E27FC236}">
-                <a16:creationId xmlns:a16="http://schemas.microsoft.com/office/drawing/2014/main" id="{8C3E59E9-B2A8-05DA-CC66-3088DB9D3B20}"/>
+                <a16:creationId xmlns:a16="http://schemas.microsoft.com/office/drawing/2014/main" id="{BF27A285-3007-0C15-8769-5421D8FDE799}"/>
               </a:ext>
             </a:extLst>
           </p:cNvPr>
@@ -894,7 +894,7 @@
           <p:cNvPr id="6" name="灯片编号占位符 5">
             <a:extLst>
               <a:ext uri="{FF2B5EF4-FFF2-40B4-BE49-F238E27FC236}">
-                <a16:creationId xmlns:a16="http://schemas.microsoft.com/office/drawing/2014/main" id="{89B89491-F299-605B-E8AD-662156E97214}"/>
+                <a16:creationId xmlns:a16="http://schemas.microsoft.com/office/drawing/2014/main" id="{2C924348-30B0-8EDD-FC95-5B52E282E81E}"/>
               </a:ext>
             </a:extLst>
           </p:cNvPr>
@@ -910,7 +910,7 @@
           <a:bodyPr/>
           <a:lstStyle/>
           <a:p>
-            <a:fld id="{B514E45A-CF6D-4CBF-ACBB-0A80114C5C39}" type="slidenum">
+            <a:fld id="{EB830D4F-711B-474D-8651-A26D392BACC6}" type="slidenum">
               <a:rPr lang="zh-CN" altLang="en-US" smtClean="0"/>
               <a:t>‹#›</a:t>
             </a:fld>
@@ -921,7 +921,7 @@
     </p:spTree>
     <p:extLst>
       <p:ext uri="{BB962C8B-B14F-4D97-AF65-F5344CB8AC3E}">
-        <p14:creationId xmlns:p14="http://schemas.microsoft.com/office/powerpoint/2010/main" val="3846097231"/>
+        <p14:creationId xmlns:p14="http://schemas.microsoft.com/office/powerpoint/2010/main" val="2735090043"/>
       </p:ext>
     </p:extLst>
   </p:cSld>
@@ -953,7 +953,7 @@
           <p:cNvPr id="2" name="标题 1">
             <a:extLst>
               <a:ext uri="{FF2B5EF4-FFF2-40B4-BE49-F238E27FC236}">
-                <a16:creationId xmlns:a16="http://schemas.microsoft.com/office/drawing/2014/main" id="{82599E63-2108-C614-6FF1-A92E709C6B48}"/>
+                <a16:creationId xmlns:a16="http://schemas.microsoft.com/office/drawing/2014/main" id="{CBF4D323-20FF-CADF-B624-FEAC2044D6B5}"/>
               </a:ext>
             </a:extLst>
           </p:cNvPr>
@@ -990,7 +990,7 @@
           <p:cNvPr id="3" name="文本占位符 2">
             <a:extLst>
               <a:ext uri="{FF2B5EF4-FFF2-40B4-BE49-F238E27FC236}">
-                <a16:creationId xmlns:a16="http://schemas.microsoft.com/office/drawing/2014/main" id="{D9F6E28D-3408-5D4A-6124-7E7BD8C60678}"/>
+                <a16:creationId xmlns:a16="http://schemas.microsoft.com/office/drawing/2014/main" id="{9B5C0B06-45A6-9B25-88D9-628B4206EB42}"/>
               </a:ext>
             </a:extLst>
           </p:cNvPr>
@@ -1115,7 +1115,7 @@
           <p:cNvPr id="4" name="日期占位符 3">
             <a:extLst>
               <a:ext uri="{FF2B5EF4-FFF2-40B4-BE49-F238E27FC236}">
-                <a16:creationId xmlns:a16="http://schemas.microsoft.com/office/drawing/2014/main" id="{03D561A0-FC7A-C0AB-EF55-10B9508B623A}"/>
+                <a16:creationId xmlns:a16="http://schemas.microsoft.com/office/drawing/2014/main" id="{EF98D278-EEAB-6C55-DD16-8D3E855D2CFE}"/>
               </a:ext>
             </a:extLst>
           </p:cNvPr>
@@ -1131,7 +1131,7 @@
           <a:bodyPr/>
           <a:lstStyle/>
           <a:p>
-            <a:fld id="{F2ACC073-9310-4282-805B-2464286E0633}" type="datetimeFigureOut">
+            <a:fld id="{EEA2F35E-26AE-4096-A9C5-40E7670A3D4F}" type="datetimeFigureOut">
               <a:rPr lang="zh-CN" altLang="en-US" smtClean="0"/>
               <a:t>2024/3/10</a:t>
             </a:fld>
@@ -1144,7 +1144,7 @@
           <p:cNvPr id="5" name="页脚占位符 4">
             <a:extLst>
               <a:ext uri="{FF2B5EF4-FFF2-40B4-BE49-F238E27FC236}">
-                <a16:creationId xmlns:a16="http://schemas.microsoft.com/office/drawing/2014/main" id="{A8A894EA-ACA4-FDAB-FE2F-7745CE6A96FB}"/>
+                <a16:creationId xmlns:a16="http://schemas.microsoft.com/office/drawing/2014/main" id="{3D92BC4C-7E87-F6BF-5991-71AF9A575184}"/>
               </a:ext>
             </a:extLst>
           </p:cNvPr>
@@ -1169,7 +1169,7 @@
           <p:cNvPr id="6" name="灯片编号占位符 5">
             <a:extLst>
               <a:ext uri="{FF2B5EF4-FFF2-40B4-BE49-F238E27FC236}">
-                <a16:creationId xmlns:a16="http://schemas.microsoft.com/office/drawing/2014/main" id="{A9426501-B788-C678-A19E-5678D55DF7C5}"/>
+                <a16:creationId xmlns:a16="http://schemas.microsoft.com/office/drawing/2014/main" id="{8B1D75FE-A695-E4FC-340F-9E36A91646B3}"/>
               </a:ext>
             </a:extLst>
           </p:cNvPr>
@@ -1185,7 +1185,7 @@
           <a:bodyPr/>
           <a:lstStyle/>
           <a:p>
-            <a:fld id="{B514E45A-CF6D-4CBF-ACBB-0A80114C5C39}" type="slidenum">
+            <a:fld id="{EB830D4F-711B-474D-8651-A26D392BACC6}" type="slidenum">
               <a:rPr lang="zh-CN" altLang="en-US" smtClean="0"/>
               <a:t>‹#›</a:t>
             </a:fld>
@@ -1196,7 +1196,7 @@
     </p:spTree>
     <p:extLst>
       <p:ext uri="{BB962C8B-B14F-4D97-AF65-F5344CB8AC3E}">
-        <p14:creationId xmlns:p14="http://schemas.microsoft.com/office/powerpoint/2010/main" val="2781968343"/>
+        <p14:creationId xmlns:p14="http://schemas.microsoft.com/office/powerpoint/2010/main" val="3715773406"/>
       </p:ext>
     </p:extLst>
   </p:cSld>
@@ -1228,7 +1228,7 @@
           <p:cNvPr id="2" name="标题 1">
             <a:extLst>
               <a:ext uri="{FF2B5EF4-FFF2-40B4-BE49-F238E27FC236}">
-                <a16:creationId xmlns:a16="http://schemas.microsoft.com/office/drawing/2014/main" id="{227FCE23-15A8-38EF-CCC8-80CE90FF0E27}"/>
+                <a16:creationId xmlns:a16="http://schemas.microsoft.com/office/drawing/2014/main" id="{53D03F9E-4416-80B6-4618-B36B769CB152}"/>
               </a:ext>
             </a:extLst>
           </p:cNvPr>
@@ -1256,7 +1256,7 @@
           <p:cNvPr id="3" name="内容占位符 2">
             <a:extLst>
               <a:ext uri="{FF2B5EF4-FFF2-40B4-BE49-F238E27FC236}">
-                <a16:creationId xmlns:a16="http://schemas.microsoft.com/office/drawing/2014/main" id="{71B9465A-B349-5A34-CF7B-575BEAE8EB1A}"/>
+                <a16:creationId xmlns:a16="http://schemas.microsoft.com/office/drawing/2014/main" id="{81021830-AEEA-C0E2-F951-FA87FB3482FB}"/>
               </a:ext>
             </a:extLst>
           </p:cNvPr>
@@ -1318,7 +1318,7 @@
           <p:cNvPr id="4" name="内容占位符 3">
             <a:extLst>
               <a:ext uri="{FF2B5EF4-FFF2-40B4-BE49-F238E27FC236}">
-                <a16:creationId xmlns:a16="http://schemas.microsoft.com/office/drawing/2014/main" id="{7A8DE676-8032-FB8D-0F3F-9B9F63016C97}"/>
+                <a16:creationId xmlns:a16="http://schemas.microsoft.com/office/drawing/2014/main" id="{2C25DC2C-22F5-0DCA-8ECB-F5195E465524}"/>
               </a:ext>
             </a:extLst>
           </p:cNvPr>
@@ -1380,7 +1380,7 @@
           <p:cNvPr id="5" name="日期占位符 4">
             <a:extLst>
               <a:ext uri="{FF2B5EF4-FFF2-40B4-BE49-F238E27FC236}">
-                <a16:creationId xmlns:a16="http://schemas.microsoft.com/office/drawing/2014/main" id="{006E229E-F80A-BA6D-52FD-C30E186B697C}"/>
+                <a16:creationId xmlns:a16="http://schemas.microsoft.com/office/drawing/2014/main" id="{604C96F8-1715-AC25-BDF8-0C6D3A487C60}"/>
               </a:ext>
             </a:extLst>
           </p:cNvPr>
@@ -1396,7 +1396,7 @@
           <a:bodyPr/>
           <a:lstStyle/>
           <a:p>
-            <a:fld id="{F2ACC073-9310-4282-805B-2464286E0633}" type="datetimeFigureOut">
+            <a:fld id="{EEA2F35E-26AE-4096-A9C5-40E7670A3D4F}" type="datetimeFigureOut">
               <a:rPr lang="zh-CN" altLang="en-US" smtClean="0"/>
               <a:t>2024/3/10</a:t>
             </a:fld>
@@ -1409,7 +1409,7 @@
           <p:cNvPr id="6" name="页脚占位符 5">
             <a:extLst>
               <a:ext uri="{FF2B5EF4-FFF2-40B4-BE49-F238E27FC236}">
-                <a16:creationId xmlns:a16="http://schemas.microsoft.com/office/drawing/2014/main" id="{9380528B-53F7-5480-3013-F99CB4C36C86}"/>
+                <a16:creationId xmlns:a16="http://schemas.microsoft.com/office/drawing/2014/main" id="{7BE10CCF-6C80-DE70-4A62-56E6394E60F5}"/>
               </a:ext>
             </a:extLst>
           </p:cNvPr>
@@ -1434,7 +1434,7 @@
           <p:cNvPr id="7" name="灯片编号占位符 6">
             <a:extLst>
               <a:ext uri="{FF2B5EF4-FFF2-40B4-BE49-F238E27FC236}">
-                <a16:creationId xmlns:a16="http://schemas.microsoft.com/office/drawing/2014/main" id="{98CBAAD6-C51B-FE11-F6CB-E616DC5E11B6}"/>
+                <a16:creationId xmlns:a16="http://schemas.microsoft.com/office/drawing/2014/main" id="{0A0419FF-4079-2CD4-5B94-AD53FBE60BF6}"/>
               </a:ext>
             </a:extLst>
           </p:cNvPr>
@@ -1450,7 +1450,7 @@
           <a:bodyPr/>
           <a:lstStyle/>
           <a:p>
-            <a:fld id="{B514E45A-CF6D-4CBF-ACBB-0A80114C5C39}" type="slidenum">
+            <a:fld id="{EB830D4F-711B-474D-8651-A26D392BACC6}" type="slidenum">
               <a:rPr lang="zh-CN" altLang="en-US" smtClean="0"/>
               <a:t>‹#›</a:t>
             </a:fld>
@@ -1461,7 +1461,7 @@
     </p:spTree>
     <p:extLst>
       <p:ext uri="{BB962C8B-B14F-4D97-AF65-F5344CB8AC3E}">
-        <p14:creationId xmlns:p14="http://schemas.microsoft.com/office/powerpoint/2010/main" val="4277818152"/>
+        <p14:creationId xmlns:p14="http://schemas.microsoft.com/office/powerpoint/2010/main" val="1122544681"/>
       </p:ext>
     </p:extLst>
   </p:cSld>
@@ -1493,7 +1493,7 @@
           <p:cNvPr id="2" name="标题 1">
             <a:extLst>
               <a:ext uri="{FF2B5EF4-FFF2-40B4-BE49-F238E27FC236}">
-                <a16:creationId xmlns:a16="http://schemas.microsoft.com/office/drawing/2014/main" id="{1AE7B784-F65B-A584-9B3E-6BBD39F197FB}"/>
+                <a16:creationId xmlns:a16="http://schemas.microsoft.com/office/drawing/2014/main" id="{FC01DEF4-3C60-A45E-E640-1FFDCC7902BE}"/>
               </a:ext>
             </a:extLst>
           </p:cNvPr>
@@ -1526,7 +1526,7 @@
           <p:cNvPr id="3" name="文本占位符 2">
             <a:extLst>
               <a:ext uri="{FF2B5EF4-FFF2-40B4-BE49-F238E27FC236}">
-                <a16:creationId xmlns:a16="http://schemas.microsoft.com/office/drawing/2014/main" id="{719112BD-B3D9-0B6A-EB61-7758B49E3E71}"/>
+                <a16:creationId xmlns:a16="http://schemas.microsoft.com/office/drawing/2014/main" id="{2B96D08F-B03B-2619-62AD-9E7072536F8A}"/>
               </a:ext>
             </a:extLst>
           </p:cNvPr>
@@ -1597,7 +1597,7 @@
           <p:cNvPr id="4" name="内容占位符 3">
             <a:extLst>
               <a:ext uri="{FF2B5EF4-FFF2-40B4-BE49-F238E27FC236}">
-                <a16:creationId xmlns:a16="http://schemas.microsoft.com/office/drawing/2014/main" id="{D429F9EB-EBF4-EC0C-1E81-6FC936E11DD1}"/>
+                <a16:creationId xmlns:a16="http://schemas.microsoft.com/office/drawing/2014/main" id="{DA8B433F-041C-57DB-B387-C4AFD6229F92}"/>
               </a:ext>
             </a:extLst>
           </p:cNvPr>
@@ -1659,7 +1659,7 @@
           <p:cNvPr id="5" name="文本占位符 4">
             <a:extLst>
               <a:ext uri="{FF2B5EF4-FFF2-40B4-BE49-F238E27FC236}">
-                <a16:creationId xmlns:a16="http://schemas.microsoft.com/office/drawing/2014/main" id="{C725EA72-4F6A-4B14-6A21-346213EE4D6F}"/>
+                <a16:creationId xmlns:a16="http://schemas.microsoft.com/office/drawing/2014/main" id="{B9C3FBF7-1952-B1D4-297E-D755122F5733}"/>
               </a:ext>
             </a:extLst>
           </p:cNvPr>
@@ -1730,7 +1730,7 @@
           <p:cNvPr id="6" name="内容占位符 5">
             <a:extLst>
               <a:ext uri="{FF2B5EF4-FFF2-40B4-BE49-F238E27FC236}">
-                <a16:creationId xmlns:a16="http://schemas.microsoft.com/office/drawing/2014/main" id="{485B135D-ECA6-976C-C455-E4A26FCDD286}"/>
+                <a16:creationId xmlns:a16="http://schemas.microsoft.com/office/drawing/2014/main" id="{EEA69DBE-6BCD-1459-9956-CFA6B6E23699}"/>
               </a:ext>
             </a:extLst>
           </p:cNvPr>
@@ -1792,7 +1792,7 @@
           <p:cNvPr id="7" name="日期占位符 6">
             <a:extLst>
               <a:ext uri="{FF2B5EF4-FFF2-40B4-BE49-F238E27FC236}">
-                <a16:creationId xmlns:a16="http://schemas.microsoft.com/office/drawing/2014/main" id="{221ECE40-DC24-0484-D540-FB349C311274}"/>
+                <a16:creationId xmlns:a16="http://schemas.microsoft.com/office/drawing/2014/main" id="{5750AA7F-895D-C564-27ED-E23955B73D50}"/>
               </a:ext>
             </a:extLst>
           </p:cNvPr>
@@ -1808,7 +1808,7 @@
           <a:bodyPr/>
           <a:lstStyle/>
           <a:p>
-            <a:fld id="{F2ACC073-9310-4282-805B-2464286E0633}" type="datetimeFigureOut">
+            <a:fld id="{EEA2F35E-26AE-4096-A9C5-40E7670A3D4F}" type="datetimeFigureOut">
               <a:rPr lang="zh-CN" altLang="en-US" smtClean="0"/>
               <a:t>2024/3/10</a:t>
             </a:fld>
@@ -1821,7 +1821,7 @@
           <p:cNvPr id="8" name="页脚占位符 7">
             <a:extLst>
               <a:ext uri="{FF2B5EF4-FFF2-40B4-BE49-F238E27FC236}">
-                <a16:creationId xmlns:a16="http://schemas.microsoft.com/office/drawing/2014/main" id="{563F8EF4-2F9A-1968-0D82-242734DB42DF}"/>
+                <a16:creationId xmlns:a16="http://schemas.microsoft.com/office/drawing/2014/main" id="{D3C5B8BD-0C04-5E88-17DE-F211F5E75216}"/>
               </a:ext>
             </a:extLst>
           </p:cNvPr>
@@ -1846,7 +1846,7 @@
           <p:cNvPr id="9" name="灯片编号占位符 8">
             <a:extLst>
               <a:ext uri="{FF2B5EF4-FFF2-40B4-BE49-F238E27FC236}">
-                <a16:creationId xmlns:a16="http://schemas.microsoft.com/office/drawing/2014/main" id="{D606ABC1-DC82-2317-24E1-3A1BA1466C9C}"/>
+                <a16:creationId xmlns:a16="http://schemas.microsoft.com/office/drawing/2014/main" id="{E8488C90-9F34-FBA2-0F55-2723BE792B13}"/>
               </a:ext>
             </a:extLst>
           </p:cNvPr>
@@ -1862,7 +1862,7 @@
           <a:bodyPr/>
           <a:lstStyle/>
           <a:p>
-            <a:fld id="{B514E45A-CF6D-4CBF-ACBB-0A80114C5C39}" type="slidenum">
+            <a:fld id="{EB830D4F-711B-474D-8651-A26D392BACC6}" type="slidenum">
               <a:rPr lang="zh-CN" altLang="en-US" smtClean="0"/>
               <a:t>‹#›</a:t>
             </a:fld>
@@ -1873,7 +1873,7 @@
     </p:spTree>
     <p:extLst>
       <p:ext uri="{BB962C8B-B14F-4D97-AF65-F5344CB8AC3E}">
-        <p14:creationId xmlns:p14="http://schemas.microsoft.com/office/powerpoint/2010/main" val="2209299042"/>
+        <p14:creationId xmlns:p14="http://schemas.microsoft.com/office/powerpoint/2010/main" val="2452210107"/>
       </p:ext>
     </p:extLst>
   </p:cSld>
@@ -1905,7 +1905,7 @@
           <p:cNvPr id="2" name="标题 1">
             <a:extLst>
               <a:ext uri="{FF2B5EF4-FFF2-40B4-BE49-F238E27FC236}">
-                <a16:creationId xmlns:a16="http://schemas.microsoft.com/office/drawing/2014/main" id="{19EB3B5E-7DFC-4411-5261-CC1F373DB935}"/>
+                <a16:creationId xmlns:a16="http://schemas.microsoft.com/office/drawing/2014/main" id="{E449298C-2B50-2DE0-2740-19E8239D6A06}"/>
               </a:ext>
             </a:extLst>
           </p:cNvPr>
@@ -1933,7 +1933,7 @@
           <p:cNvPr id="3" name="日期占位符 2">
             <a:extLst>
               <a:ext uri="{FF2B5EF4-FFF2-40B4-BE49-F238E27FC236}">
-                <a16:creationId xmlns:a16="http://schemas.microsoft.com/office/drawing/2014/main" id="{0A42CF7F-4097-9C8D-A1BA-53DF3A4C97BD}"/>
+                <a16:creationId xmlns:a16="http://schemas.microsoft.com/office/drawing/2014/main" id="{E7A25449-1F63-D167-5FDD-F414D961C420}"/>
               </a:ext>
             </a:extLst>
           </p:cNvPr>
@@ -1949,7 +1949,7 @@
           <a:bodyPr/>
           <a:lstStyle/>
           <a:p>
-            <a:fld id="{F2ACC073-9310-4282-805B-2464286E0633}" type="datetimeFigureOut">
+            <a:fld id="{EEA2F35E-26AE-4096-A9C5-40E7670A3D4F}" type="datetimeFigureOut">
               <a:rPr lang="zh-CN" altLang="en-US" smtClean="0"/>
               <a:t>2024/3/10</a:t>
             </a:fld>
@@ -1962,7 +1962,7 @@
           <p:cNvPr id="4" name="页脚占位符 3">
             <a:extLst>
               <a:ext uri="{FF2B5EF4-FFF2-40B4-BE49-F238E27FC236}">
-                <a16:creationId xmlns:a16="http://schemas.microsoft.com/office/drawing/2014/main" id="{E6707F27-61CF-2A5E-E611-2EA239D883A6}"/>
+                <a16:creationId xmlns:a16="http://schemas.microsoft.com/office/drawing/2014/main" id="{45124E7E-B785-15E8-7D4B-2C402C6D4F8E}"/>
               </a:ext>
             </a:extLst>
           </p:cNvPr>
@@ -1987,7 +1987,7 @@
           <p:cNvPr id="5" name="灯片编号占位符 4">
             <a:extLst>
               <a:ext uri="{FF2B5EF4-FFF2-40B4-BE49-F238E27FC236}">
-                <a16:creationId xmlns:a16="http://schemas.microsoft.com/office/drawing/2014/main" id="{0CED64D9-49DC-3A2F-1F3B-C20BEE915952}"/>
+                <a16:creationId xmlns:a16="http://schemas.microsoft.com/office/drawing/2014/main" id="{5698CCC9-5C64-8199-A446-2F19B4685EE4}"/>
               </a:ext>
             </a:extLst>
           </p:cNvPr>
@@ -2003,7 +2003,7 @@
           <a:bodyPr/>
           <a:lstStyle/>
           <a:p>
-            <a:fld id="{B514E45A-CF6D-4CBF-ACBB-0A80114C5C39}" type="slidenum">
+            <a:fld id="{EB830D4F-711B-474D-8651-A26D392BACC6}" type="slidenum">
               <a:rPr lang="zh-CN" altLang="en-US" smtClean="0"/>
               <a:t>‹#›</a:t>
             </a:fld>
@@ -2014,7 +2014,7 @@
     </p:spTree>
     <p:extLst>
       <p:ext uri="{BB962C8B-B14F-4D97-AF65-F5344CB8AC3E}">
-        <p14:creationId xmlns:p14="http://schemas.microsoft.com/office/powerpoint/2010/main" val="912375646"/>
+        <p14:creationId xmlns:p14="http://schemas.microsoft.com/office/powerpoint/2010/main" val="545574451"/>
       </p:ext>
     </p:extLst>
   </p:cSld>
@@ -2046,7 +2046,7 @@
           <p:cNvPr id="2" name="日期占位符 1">
             <a:extLst>
               <a:ext uri="{FF2B5EF4-FFF2-40B4-BE49-F238E27FC236}">
-                <a16:creationId xmlns:a16="http://schemas.microsoft.com/office/drawing/2014/main" id="{2CE0D579-F047-8AA3-72D6-FA9B0B7DB704}"/>
+                <a16:creationId xmlns:a16="http://schemas.microsoft.com/office/drawing/2014/main" id="{D0AAD9BF-D1A1-2926-69C5-97C13991D54C}"/>
               </a:ext>
             </a:extLst>
           </p:cNvPr>
@@ -2062,7 +2062,7 @@
           <a:bodyPr/>
           <a:lstStyle/>
           <a:p>
-            <a:fld id="{F2ACC073-9310-4282-805B-2464286E0633}" type="datetimeFigureOut">
+            <a:fld id="{EEA2F35E-26AE-4096-A9C5-40E7670A3D4F}" type="datetimeFigureOut">
               <a:rPr lang="zh-CN" altLang="en-US" smtClean="0"/>
               <a:t>2024/3/10</a:t>
             </a:fld>
@@ -2075,7 +2075,7 @@
           <p:cNvPr id="3" name="页脚占位符 2">
             <a:extLst>
               <a:ext uri="{FF2B5EF4-FFF2-40B4-BE49-F238E27FC236}">
-                <a16:creationId xmlns:a16="http://schemas.microsoft.com/office/drawing/2014/main" id="{FC066C0C-9A67-CD33-97CB-91795768C183}"/>
+                <a16:creationId xmlns:a16="http://schemas.microsoft.com/office/drawing/2014/main" id="{174EF18A-1497-B987-3529-EB57C852D1FF}"/>
               </a:ext>
             </a:extLst>
           </p:cNvPr>
@@ -2100,7 +2100,7 @@
           <p:cNvPr id="4" name="灯片编号占位符 3">
             <a:extLst>
               <a:ext uri="{FF2B5EF4-FFF2-40B4-BE49-F238E27FC236}">
-                <a16:creationId xmlns:a16="http://schemas.microsoft.com/office/drawing/2014/main" id="{617838EA-CF13-7BF0-265F-B19E09B28B70}"/>
+                <a16:creationId xmlns:a16="http://schemas.microsoft.com/office/drawing/2014/main" id="{59268F02-EFFC-5A1C-9CFB-483D89D4FFAC}"/>
               </a:ext>
             </a:extLst>
           </p:cNvPr>
@@ -2116,7 +2116,7 @@
           <a:bodyPr/>
           <a:lstStyle/>
           <a:p>
-            <a:fld id="{B514E45A-CF6D-4CBF-ACBB-0A80114C5C39}" type="slidenum">
+            <a:fld id="{EB830D4F-711B-474D-8651-A26D392BACC6}" type="slidenum">
               <a:rPr lang="zh-CN" altLang="en-US" smtClean="0"/>
               <a:t>‹#›</a:t>
             </a:fld>
@@ -2127,7 +2127,7 @@
     </p:spTree>
     <p:extLst>
       <p:ext uri="{BB962C8B-B14F-4D97-AF65-F5344CB8AC3E}">
-        <p14:creationId xmlns:p14="http://schemas.microsoft.com/office/powerpoint/2010/main" val="1607932823"/>
+        <p14:creationId xmlns:p14="http://schemas.microsoft.com/office/powerpoint/2010/main" val="3937318980"/>
       </p:ext>
     </p:extLst>
   </p:cSld>
@@ -2159,7 +2159,7 @@
           <p:cNvPr id="2" name="标题 1">
             <a:extLst>
               <a:ext uri="{FF2B5EF4-FFF2-40B4-BE49-F238E27FC236}">
-                <a16:creationId xmlns:a16="http://schemas.microsoft.com/office/drawing/2014/main" id="{20DF5D41-378F-3F0E-3A16-AC4438E761BC}"/>
+                <a16:creationId xmlns:a16="http://schemas.microsoft.com/office/drawing/2014/main" id="{32616123-2DD9-E483-E072-1782AD88FAC3}"/>
               </a:ext>
             </a:extLst>
           </p:cNvPr>
@@ -2196,7 +2196,7 @@
           <p:cNvPr id="3" name="内容占位符 2">
             <a:extLst>
               <a:ext uri="{FF2B5EF4-FFF2-40B4-BE49-F238E27FC236}">
-                <a16:creationId xmlns:a16="http://schemas.microsoft.com/office/drawing/2014/main" id="{884E347E-9B01-BD52-A027-34D8D6CE03B8}"/>
+                <a16:creationId xmlns:a16="http://schemas.microsoft.com/office/drawing/2014/main" id="{5D8FF673-A9CB-811A-E616-2E5E3FBE5770}"/>
               </a:ext>
             </a:extLst>
           </p:cNvPr>
@@ -2286,7 +2286,7 @@
           <p:cNvPr id="4" name="文本占位符 3">
             <a:extLst>
               <a:ext uri="{FF2B5EF4-FFF2-40B4-BE49-F238E27FC236}">
-                <a16:creationId xmlns:a16="http://schemas.microsoft.com/office/drawing/2014/main" id="{39DAC75A-D546-E1C7-5BA1-F8808707C598}"/>
+                <a16:creationId xmlns:a16="http://schemas.microsoft.com/office/drawing/2014/main" id="{EFF6C03D-4AC9-BF2A-4E43-FD06D53B8A1A}"/>
               </a:ext>
             </a:extLst>
           </p:cNvPr>
@@ -2357,7 +2357,7 @@
           <p:cNvPr id="5" name="日期占位符 4">
             <a:extLst>
               <a:ext uri="{FF2B5EF4-FFF2-40B4-BE49-F238E27FC236}">
-                <a16:creationId xmlns:a16="http://schemas.microsoft.com/office/drawing/2014/main" id="{75C77424-03FF-487A-B587-AF685B2B5EE5}"/>
+                <a16:creationId xmlns:a16="http://schemas.microsoft.com/office/drawing/2014/main" id="{73AD8617-2D5F-2D7D-C207-5ABEA2437954}"/>
               </a:ext>
             </a:extLst>
           </p:cNvPr>
@@ -2373,7 +2373,7 @@
           <a:bodyPr/>
           <a:lstStyle/>
           <a:p>
-            <a:fld id="{F2ACC073-9310-4282-805B-2464286E0633}" type="datetimeFigureOut">
+            <a:fld id="{EEA2F35E-26AE-4096-A9C5-40E7670A3D4F}" type="datetimeFigureOut">
               <a:rPr lang="zh-CN" altLang="en-US" smtClean="0"/>
               <a:t>2024/3/10</a:t>
             </a:fld>
@@ -2386,7 +2386,7 @@
           <p:cNvPr id="6" name="页脚占位符 5">
             <a:extLst>
               <a:ext uri="{FF2B5EF4-FFF2-40B4-BE49-F238E27FC236}">
-                <a16:creationId xmlns:a16="http://schemas.microsoft.com/office/drawing/2014/main" id="{644CC465-0169-ADCF-E37D-EAC41D59DB59}"/>
+                <a16:creationId xmlns:a16="http://schemas.microsoft.com/office/drawing/2014/main" id="{3877CE92-B745-D90E-A8D5-A043CBA17086}"/>
               </a:ext>
             </a:extLst>
           </p:cNvPr>
@@ -2411,7 +2411,7 @@
           <p:cNvPr id="7" name="灯片编号占位符 6">
             <a:extLst>
               <a:ext uri="{FF2B5EF4-FFF2-40B4-BE49-F238E27FC236}">
-                <a16:creationId xmlns:a16="http://schemas.microsoft.com/office/drawing/2014/main" id="{B9AC69D8-7B30-D997-0BA3-0808AAD097A1}"/>
+                <a16:creationId xmlns:a16="http://schemas.microsoft.com/office/drawing/2014/main" id="{4A1FB1E3-AAA4-1654-7030-5A4B97472903}"/>
               </a:ext>
             </a:extLst>
           </p:cNvPr>
@@ -2427,7 +2427,7 @@
           <a:bodyPr/>
           <a:lstStyle/>
           <a:p>
-            <a:fld id="{B514E45A-CF6D-4CBF-ACBB-0A80114C5C39}" type="slidenum">
+            <a:fld id="{EB830D4F-711B-474D-8651-A26D392BACC6}" type="slidenum">
               <a:rPr lang="zh-CN" altLang="en-US" smtClean="0"/>
               <a:t>‹#›</a:t>
             </a:fld>
@@ -2438,7 +2438,7 @@
     </p:spTree>
     <p:extLst>
       <p:ext uri="{BB962C8B-B14F-4D97-AF65-F5344CB8AC3E}">
-        <p14:creationId xmlns:p14="http://schemas.microsoft.com/office/powerpoint/2010/main" val="1110388754"/>
+        <p14:creationId xmlns:p14="http://schemas.microsoft.com/office/powerpoint/2010/main" val="3872048700"/>
       </p:ext>
     </p:extLst>
   </p:cSld>
@@ -2470,7 +2470,7 @@
           <p:cNvPr id="2" name="标题 1">
             <a:extLst>
               <a:ext uri="{FF2B5EF4-FFF2-40B4-BE49-F238E27FC236}">
-                <a16:creationId xmlns:a16="http://schemas.microsoft.com/office/drawing/2014/main" id="{CE8C4273-A274-E72C-C75F-CE512028AAB2}"/>
+                <a16:creationId xmlns:a16="http://schemas.microsoft.com/office/drawing/2014/main" id="{4968A191-CF2E-8C62-8F35-74FD4C036F3C}"/>
               </a:ext>
             </a:extLst>
           </p:cNvPr>
@@ -2507,7 +2507,7 @@
           <p:cNvPr id="3" name="图片占位符 2">
             <a:extLst>
               <a:ext uri="{FF2B5EF4-FFF2-40B4-BE49-F238E27FC236}">
-                <a16:creationId xmlns:a16="http://schemas.microsoft.com/office/drawing/2014/main" id="{635BF6B1-5D24-17EB-990E-06020CFB825E}"/>
+                <a16:creationId xmlns:a16="http://schemas.microsoft.com/office/drawing/2014/main" id="{1E96B50B-FD27-880D-3D8D-9693D3DDB5FE}"/>
               </a:ext>
             </a:extLst>
           </p:cNvPr>
@@ -2574,7 +2574,7 @@
           <p:cNvPr id="4" name="文本占位符 3">
             <a:extLst>
               <a:ext uri="{FF2B5EF4-FFF2-40B4-BE49-F238E27FC236}">
-                <a16:creationId xmlns:a16="http://schemas.microsoft.com/office/drawing/2014/main" id="{FD96605E-8E75-4D51-08FD-8CA331DE7616}"/>
+                <a16:creationId xmlns:a16="http://schemas.microsoft.com/office/drawing/2014/main" id="{D1B2ACBB-76C2-0C8E-F545-647C59A73F7A}"/>
               </a:ext>
             </a:extLst>
           </p:cNvPr>
@@ -2645,7 +2645,7 @@
           <p:cNvPr id="5" name="日期占位符 4">
             <a:extLst>
               <a:ext uri="{FF2B5EF4-FFF2-40B4-BE49-F238E27FC236}">
-                <a16:creationId xmlns:a16="http://schemas.microsoft.com/office/drawing/2014/main" id="{8E85A132-B89E-B8B3-7EE3-217335EF1FDC}"/>
+                <a16:creationId xmlns:a16="http://schemas.microsoft.com/office/drawing/2014/main" id="{8B36D53F-7B65-F271-027C-EB061B8D13BB}"/>
               </a:ext>
             </a:extLst>
           </p:cNvPr>
@@ -2661,7 +2661,7 @@
           <a:bodyPr/>
           <a:lstStyle/>
           <a:p>
-            <a:fld id="{F2ACC073-9310-4282-805B-2464286E0633}" type="datetimeFigureOut">
+            <a:fld id="{EEA2F35E-26AE-4096-A9C5-40E7670A3D4F}" type="datetimeFigureOut">
               <a:rPr lang="zh-CN" altLang="en-US" smtClean="0"/>
               <a:t>2024/3/10</a:t>
             </a:fld>
@@ -2674,7 +2674,7 @@
           <p:cNvPr id="6" name="页脚占位符 5">
             <a:extLst>
               <a:ext uri="{FF2B5EF4-FFF2-40B4-BE49-F238E27FC236}">
-                <a16:creationId xmlns:a16="http://schemas.microsoft.com/office/drawing/2014/main" id="{110C4F30-C678-A21A-7BBE-B7368CD8746C}"/>
+                <a16:creationId xmlns:a16="http://schemas.microsoft.com/office/drawing/2014/main" id="{707BAAB4-06E4-54EE-260B-07D81453A244}"/>
               </a:ext>
             </a:extLst>
           </p:cNvPr>
@@ -2699,7 +2699,7 @@
           <p:cNvPr id="7" name="灯片编号占位符 6">
             <a:extLst>
               <a:ext uri="{FF2B5EF4-FFF2-40B4-BE49-F238E27FC236}">
-                <a16:creationId xmlns:a16="http://schemas.microsoft.com/office/drawing/2014/main" id="{F8C7B203-DB4F-E546-7C62-86F61AE3EC31}"/>
+                <a16:creationId xmlns:a16="http://schemas.microsoft.com/office/drawing/2014/main" id="{D682C145-9CD4-8474-7399-37914DDBB5CA}"/>
               </a:ext>
             </a:extLst>
           </p:cNvPr>
@@ -2715,7 +2715,7 @@
           <a:bodyPr/>
           <a:lstStyle/>
           <a:p>
-            <a:fld id="{B514E45A-CF6D-4CBF-ACBB-0A80114C5C39}" type="slidenum">
+            <a:fld id="{EB830D4F-711B-474D-8651-A26D392BACC6}" type="slidenum">
               <a:rPr lang="zh-CN" altLang="en-US" smtClean="0"/>
               <a:t>‹#›</a:t>
             </a:fld>
@@ -2726,7 +2726,7 @@
     </p:spTree>
     <p:extLst>
       <p:ext uri="{BB962C8B-B14F-4D97-AF65-F5344CB8AC3E}">
-        <p14:creationId xmlns:p14="http://schemas.microsoft.com/office/powerpoint/2010/main" val="4067234592"/>
+        <p14:creationId xmlns:p14="http://schemas.microsoft.com/office/powerpoint/2010/main" val="1718152130"/>
       </p:ext>
     </p:extLst>
   </p:cSld>
@@ -2763,7 +2763,7 @@
           <p:cNvPr id="2" name="标题占位符 1">
             <a:extLst>
               <a:ext uri="{FF2B5EF4-FFF2-40B4-BE49-F238E27FC236}">
-                <a16:creationId xmlns:a16="http://schemas.microsoft.com/office/drawing/2014/main" id="{1D2948AF-5F93-AC1E-1733-2727EB2164DE}"/>
+                <a16:creationId xmlns:a16="http://schemas.microsoft.com/office/drawing/2014/main" id="{B792A1B3-C4A2-1234-318A-936EDA2874EA}"/>
               </a:ext>
             </a:extLst>
           </p:cNvPr>
@@ -2801,7 +2801,7 @@
           <p:cNvPr id="3" name="文本占位符 2">
             <a:extLst>
               <a:ext uri="{FF2B5EF4-FFF2-40B4-BE49-F238E27FC236}">
-                <a16:creationId xmlns:a16="http://schemas.microsoft.com/office/drawing/2014/main" id="{04588D5D-6EA4-C310-9953-D72502D8B139}"/>
+                <a16:creationId xmlns:a16="http://schemas.microsoft.com/office/drawing/2014/main" id="{0619C37B-BF74-879B-DC5B-484AF1CE0902}"/>
               </a:ext>
             </a:extLst>
           </p:cNvPr>
@@ -2868,7 +2868,7 @@
           <p:cNvPr id="4" name="日期占位符 3">
             <a:extLst>
               <a:ext uri="{FF2B5EF4-FFF2-40B4-BE49-F238E27FC236}">
-                <a16:creationId xmlns:a16="http://schemas.microsoft.com/office/drawing/2014/main" id="{049021BC-A994-D729-08E1-EBD839ED231F}"/>
+                <a16:creationId xmlns:a16="http://schemas.microsoft.com/office/drawing/2014/main" id="{1903B26C-096B-0200-D403-DBEB7B1FA305}"/>
               </a:ext>
             </a:extLst>
           </p:cNvPr>
@@ -2902,7 +2902,7 @@
             </a:lvl1pPr>
           </a:lstStyle>
           <a:p>
-            <a:fld id="{F2ACC073-9310-4282-805B-2464286E0633}" type="datetimeFigureOut">
+            <a:fld id="{EEA2F35E-26AE-4096-A9C5-40E7670A3D4F}" type="datetimeFigureOut">
               <a:rPr lang="zh-CN" altLang="en-US" smtClean="0"/>
               <a:t>2024/3/10</a:t>
             </a:fld>
@@ -2915,7 +2915,7 @@
           <p:cNvPr id="5" name="页脚占位符 4">
             <a:extLst>
               <a:ext uri="{FF2B5EF4-FFF2-40B4-BE49-F238E27FC236}">
-                <a16:creationId xmlns:a16="http://schemas.microsoft.com/office/drawing/2014/main" id="{F61F4C0C-1117-4206-1FE9-03C5FEE523AC}"/>
+                <a16:creationId xmlns:a16="http://schemas.microsoft.com/office/drawing/2014/main" id="{F31A3C4A-9393-491C-F5D4-B28BE03E5A12}"/>
               </a:ext>
             </a:extLst>
           </p:cNvPr>
@@ -2958,7 +2958,7 @@
           <p:cNvPr id="6" name="灯片编号占位符 5">
             <a:extLst>
               <a:ext uri="{FF2B5EF4-FFF2-40B4-BE49-F238E27FC236}">
-                <a16:creationId xmlns:a16="http://schemas.microsoft.com/office/drawing/2014/main" id="{12BEEDEB-D004-FB44-A8B5-7A0DDE432F36}"/>
+                <a16:creationId xmlns:a16="http://schemas.microsoft.com/office/drawing/2014/main" id="{47DB6EFA-6BE9-DB26-C046-35DC31B9468B}"/>
               </a:ext>
             </a:extLst>
           </p:cNvPr>
@@ -2992,7 +2992,7 @@
             </a:lvl1pPr>
           </a:lstStyle>
           <a:p>
-            <a:fld id="{B514E45A-CF6D-4CBF-ACBB-0A80114C5C39}" type="slidenum">
+            <a:fld id="{EB830D4F-711B-474D-8651-A26D392BACC6}" type="slidenum">
               <a:rPr lang="zh-CN" altLang="en-US" smtClean="0"/>
               <a:t>‹#›</a:t>
             </a:fld>
@@ -3003,7 +3003,7 @@
     </p:spTree>
     <p:extLst>
       <p:ext uri="{BB962C8B-B14F-4D97-AF65-F5344CB8AC3E}">
-        <p14:creationId xmlns:p14="http://schemas.microsoft.com/office/powerpoint/2010/main" val="1888777543"/>
+        <p14:creationId xmlns:p14="http://schemas.microsoft.com/office/powerpoint/2010/main" val="2640174493"/>
       </p:ext>
     </p:extLst>
   </p:cSld>
